--- a/Guice.pptx
+++ b/Guice.pptx
@@ -4509,7 +4509,15 @@
             <a:pPr lvl="1" indent="-342900"/>
             <a:r>
               <a:rPr lang="en-US" dirty="0"/>
-              <a:t>class that extends Provider&lt;T&gt;</a:t>
+              <a:t>class </a:t>
+            </a:r>
+            <a:r>
+              <a:rPr lang="en-US"/>
+              <a:t>that implements </a:t>
+            </a:r>
+            <a:r>
+              <a:rPr lang="en-US" dirty="0"/>
+              <a:t>Provider&lt;T&gt;</a:t>
             </a:r>
           </a:p>
           <a:p>
